--- a/CollaborativeNetwork_PatroEdit.pptx
+++ b/CollaborativeNetwork_PatroEdit.pptx
@@ -304,7 +304,7 @@
           <a:p>
             <a:fld id="{91377481-43A8-5941-AAB2-47ECF08824BE}" type="datetimeFigureOut">
               <a:rPr lang="en-US" smtClean="0"/>
-              <a:t>8/27/17</a:t>
+              <a:t>8/28/17</a:t>
             </a:fld>
             <a:endParaRPr lang="en-US"/>
           </a:p>
@@ -474,7 +474,7 @@
           <a:p>
             <a:fld id="{91377481-43A8-5941-AAB2-47ECF08824BE}" type="datetimeFigureOut">
               <a:rPr lang="en-US" smtClean="0"/>
-              <a:t>8/27/17</a:t>
+              <a:t>8/28/17</a:t>
             </a:fld>
             <a:endParaRPr lang="en-US"/>
           </a:p>
@@ -654,7 +654,7 @@
           <a:p>
             <a:fld id="{91377481-43A8-5941-AAB2-47ECF08824BE}" type="datetimeFigureOut">
               <a:rPr lang="en-US" smtClean="0"/>
-              <a:t>8/27/17</a:t>
+              <a:t>8/28/17</a:t>
             </a:fld>
             <a:endParaRPr lang="en-US"/>
           </a:p>
@@ -824,7 +824,7 @@
           <a:p>
             <a:fld id="{91377481-43A8-5941-AAB2-47ECF08824BE}" type="datetimeFigureOut">
               <a:rPr lang="en-US" smtClean="0"/>
-              <a:t>8/27/17</a:t>
+              <a:t>8/28/17</a:t>
             </a:fld>
             <a:endParaRPr lang="en-US"/>
           </a:p>
@@ -1070,7 +1070,7 @@
           <a:p>
             <a:fld id="{91377481-43A8-5941-AAB2-47ECF08824BE}" type="datetimeFigureOut">
               <a:rPr lang="en-US" smtClean="0"/>
-              <a:t>8/27/17</a:t>
+              <a:t>8/28/17</a:t>
             </a:fld>
             <a:endParaRPr lang="en-US"/>
           </a:p>
@@ -1358,7 +1358,7 @@
           <a:p>
             <a:fld id="{91377481-43A8-5941-AAB2-47ECF08824BE}" type="datetimeFigureOut">
               <a:rPr lang="en-US" smtClean="0"/>
-              <a:t>8/27/17</a:t>
+              <a:t>8/28/17</a:t>
             </a:fld>
             <a:endParaRPr lang="en-US"/>
           </a:p>
@@ -1780,7 +1780,7 @@
           <a:p>
             <a:fld id="{91377481-43A8-5941-AAB2-47ECF08824BE}" type="datetimeFigureOut">
               <a:rPr lang="en-US" smtClean="0"/>
-              <a:t>8/27/17</a:t>
+              <a:t>8/28/17</a:t>
             </a:fld>
             <a:endParaRPr lang="en-US"/>
           </a:p>
@@ -1898,7 +1898,7 @@
           <a:p>
             <a:fld id="{91377481-43A8-5941-AAB2-47ECF08824BE}" type="datetimeFigureOut">
               <a:rPr lang="en-US" smtClean="0"/>
-              <a:t>8/27/17</a:t>
+              <a:t>8/28/17</a:t>
             </a:fld>
             <a:endParaRPr lang="en-US"/>
           </a:p>
@@ -1993,7 +1993,7 @@
           <a:p>
             <a:fld id="{91377481-43A8-5941-AAB2-47ECF08824BE}" type="datetimeFigureOut">
               <a:rPr lang="en-US" smtClean="0"/>
-              <a:t>8/27/17</a:t>
+              <a:t>8/28/17</a:t>
             </a:fld>
             <a:endParaRPr lang="en-US"/>
           </a:p>
@@ -2270,7 +2270,7 @@
           <a:p>
             <a:fld id="{91377481-43A8-5941-AAB2-47ECF08824BE}" type="datetimeFigureOut">
               <a:rPr lang="en-US" smtClean="0"/>
-              <a:t>8/27/17</a:t>
+              <a:t>8/28/17</a:t>
             </a:fld>
             <a:endParaRPr lang="en-US"/>
           </a:p>
@@ -2523,7 +2523,7 @@
           <a:p>
             <a:fld id="{91377481-43A8-5941-AAB2-47ECF08824BE}" type="datetimeFigureOut">
               <a:rPr lang="en-US" smtClean="0"/>
-              <a:t>8/27/17</a:t>
+              <a:t>8/28/17</a:t>
             </a:fld>
             <a:endParaRPr lang="en-US"/>
           </a:p>
@@ -2736,7 +2736,7 @@
           <a:p>
             <a:fld id="{91377481-43A8-5941-AAB2-47ECF08824BE}" type="datetimeFigureOut">
               <a:rPr lang="en-US" smtClean="0"/>
-              <a:t>8/27/17</a:t>
+              <a:t>8/28/17</a:t>
             </a:fld>
             <a:endParaRPr lang="en-US"/>
           </a:p>
@@ -3194,11 +3194,7 @@
             </a:prstGeom>
             <a:noFill/>
             <a:ln>
-              <a:solidFill>
-                <a:schemeClr val="bg1">
-                  <a:lumMod val="65000"/>
-                </a:schemeClr>
-              </a:solidFill>
+              <a:noFill/>
             </a:ln>
           </p:spPr>
           <p:txBody>
@@ -3260,11 +3256,7 @@
             </a:prstGeom>
             <a:noFill/>
             <a:ln>
-              <a:solidFill>
-                <a:schemeClr val="bg1">
-                  <a:lumMod val="65000"/>
-                </a:schemeClr>
-              </a:solidFill>
+              <a:noFill/>
             </a:ln>
           </p:spPr>
           <p:txBody>
@@ -3363,11 +3355,7 @@
             </a:prstGeom>
             <a:noFill/>
             <a:ln>
-              <a:solidFill>
-                <a:schemeClr val="bg1">
-                  <a:lumMod val="65000"/>
-                </a:schemeClr>
-              </a:solidFill>
+              <a:noFill/>
             </a:ln>
           </p:spPr>
           <p:txBody>
@@ -3441,11 +3429,7 @@
             </a:prstGeom>
             <a:noFill/>
             <a:ln>
-              <a:solidFill>
-                <a:schemeClr val="bg1">
-                  <a:lumMod val="65000"/>
-                </a:schemeClr>
-              </a:solidFill>
+              <a:noFill/>
             </a:ln>
           </p:spPr>
           <p:txBody>
@@ -3567,11 +3551,7 @@
             </a:prstGeom>
             <a:noFill/>
             <a:ln>
-              <a:solidFill>
-                <a:schemeClr val="bg1">
-                  <a:lumMod val="65000"/>
-                </a:schemeClr>
-              </a:solidFill>
+              <a:noFill/>
             </a:ln>
           </p:spPr>
           <p:txBody>
@@ -3672,11 +3652,7 @@
             </a:prstGeom>
             <a:noFill/>
             <a:ln>
-              <a:solidFill>
-                <a:schemeClr val="bg1">
-                  <a:lumMod val="65000"/>
-                </a:schemeClr>
-              </a:solidFill>
+              <a:noFill/>
             </a:ln>
           </p:spPr>
           <p:txBody>
@@ -3798,11 +3774,7 @@
             </a:prstGeom>
             <a:noFill/>
             <a:ln>
-              <a:solidFill>
-                <a:schemeClr val="bg1">
-                  <a:lumMod val="65000"/>
-                </a:schemeClr>
-              </a:solidFill>
+              <a:noFill/>
             </a:ln>
           </p:spPr>
           <p:txBody>
@@ -3815,9 +3787,7 @@
               <a:r>
                 <a:rPr lang="en-US" sz="1200" dirty="0" smtClean="0">
                   <a:solidFill>
-                    <a:schemeClr val="bg1">
-                      <a:lumMod val="65000"/>
-                    </a:schemeClr>
+                    <a:srgbClr val="1500FF"/>
                   </a:solidFill>
                   <a:latin typeface="Arial"/>
                   <a:cs typeface="Arial"/>
@@ -3830,9 +3800,7 @@
               <a:r>
                 <a:rPr lang="en-US" sz="1200" dirty="0" smtClean="0">
                   <a:solidFill>
-                    <a:schemeClr val="bg1">
-                      <a:lumMod val="65000"/>
-                    </a:schemeClr>
+                    <a:srgbClr val="1500FF"/>
                   </a:solidFill>
                   <a:latin typeface="Arial"/>
                   <a:cs typeface="Arial"/>
@@ -3841,9 +3809,7 @@
               </a:r>
               <a:endParaRPr lang="en-US" sz="1200" dirty="0">
                 <a:solidFill>
-                  <a:schemeClr val="bg1">
-                    <a:lumMod val="65000"/>
-                  </a:schemeClr>
+                  <a:srgbClr val="1500FF"/>
                 </a:solidFill>
                 <a:latin typeface="Arial"/>
                 <a:cs typeface="Arial"/>
@@ -3867,11 +3833,7 @@
             </a:prstGeom>
             <a:noFill/>
             <a:ln>
-              <a:solidFill>
-                <a:schemeClr val="bg1">
-                  <a:lumMod val="65000"/>
-                </a:schemeClr>
-              </a:solidFill>
+              <a:noFill/>
             </a:ln>
           </p:spPr>
           <p:txBody>
@@ -3950,11 +3912,7 @@
             </a:prstGeom>
             <a:noFill/>
             <a:ln>
-              <a:solidFill>
-                <a:schemeClr val="bg1">
-                  <a:lumMod val="65000"/>
-                </a:schemeClr>
-              </a:solidFill>
+              <a:noFill/>
             </a:ln>
           </p:spPr>
           <p:txBody>
@@ -4028,11 +3986,7 @@
             </a:prstGeom>
             <a:noFill/>
             <a:ln>
-              <a:solidFill>
-                <a:schemeClr val="bg1">
-                  <a:lumMod val="65000"/>
-                </a:schemeClr>
-              </a:solidFill>
+              <a:noFill/>
             </a:ln>
           </p:spPr>
           <p:txBody>
@@ -4125,9 +4079,7 @@
             </a:prstGeom>
             <a:ln w="19050">
               <a:solidFill>
-                <a:schemeClr val="bg1">
-                  <a:lumMod val="65000"/>
-                </a:schemeClr>
+                <a:srgbClr val="1500FF"/>
               </a:solidFill>
               <a:prstDash val="dash"/>
               <a:headEnd type="arrow"/>
@@ -4300,11 +4252,7 @@
             </a:prstGeom>
             <a:noFill/>
             <a:ln>
-              <a:solidFill>
-                <a:schemeClr val="bg1">
-                  <a:lumMod val="65000"/>
-                </a:schemeClr>
-              </a:solidFill>
+              <a:noFill/>
             </a:ln>
           </p:spPr>
           <p:txBody>
@@ -4317,6 +4265,16 @@
               <a:r>
                 <a:rPr lang="en-US" sz="1200" dirty="0" smtClean="0">
                   <a:solidFill>
+                    <a:srgbClr val="1500FF"/>
+                  </a:solidFill>
+                  <a:latin typeface="Arial"/>
+                  <a:cs typeface="Arial"/>
+                </a:rPr>
+                <a:t>Sub/re-sampling</a:t>
+              </a:r>
+              <a:r>
+                <a:rPr lang="en-US" sz="1200" dirty="0" smtClean="0">
+                  <a:solidFill>
                     <a:schemeClr val="bg1">
                       <a:lumMod val="65000"/>
                     </a:schemeClr>
@@ -4324,13 +4282,21 @@
                   <a:latin typeface="Arial"/>
                   <a:cs typeface="Arial"/>
                 </a:rPr>
-                <a:t>Sub/re-sampling evaluation</a:t>
+                <a:t> </a:t>
+              </a:r>
+              <a:r>
+                <a:rPr lang="en-US" sz="1200" dirty="0" smtClean="0">
+                  <a:solidFill>
+                    <a:srgbClr val="1500FF"/>
+                  </a:solidFill>
+                  <a:latin typeface="Arial"/>
+                  <a:cs typeface="Arial"/>
+                </a:rPr>
+                <a:t>evaluation</a:t>
               </a:r>
               <a:endParaRPr lang="en-US" sz="1200" dirty="0">
                 <a:solidFill>
-                  <a:schemeClr val="bg1">
-                    <a:lumMod val="65000"/>
-                  </a:schemeClr>
+                  <a:srgbClr val="1500FF"/>
                 </a:solidFill>
                 <a:latin typeface="Arial"/>
                 <a:cs typeface="Arial"/>
@@ -4562,11 +4528,7 @@
             </a:prstGeom>
             <a:noFill/>
             <a:ln>
-              <a:solidFill>
-                <a:schemeClr val="bg1">
-                  <a:lumMod val="65000"/>
-                </a:schemeClr>
-              </a:solidFill>
+              <a:noFill/>
             </a:ln>
           </p:spPr>
           <p:txBody>
@@ -4579,9 +4541,7 @@
               <a:r>
                 <a:rPr lang="en-US" sz="1200" dirty="0" smtClean="0">
                   <a:solidFill>
-                    <a:schemeClr val="bg1">
-                      <a:lumMod val="65000"/>
-                    </a:schemeClr>
+                    <a:srgbClr val="1500FF"/>
                   </a:solidFill>
                   <a:latin typeface="Arial"/>
                   <a:cs typeface="Arial"/>
@@ -4594,9 +4554,7 @@
               <a:r>
                 <a:rPr lang="en-US" sz="1200" dirty="0">
                   <a:solidFill>
-                    <a:schemeClr val="bg1">
-                      <a:lumMod val="65000"/>
-                    </a:schemeClr>
+                    <a:srgbClr val="1500FF"/>
                   </a:solidFill>
                   <a:latin typeface="Arial"/>
                   <a:cs typeface="Arial"/>
@@ -4606,9 +4564,7 @@
               <a:r>
                 <a:rPr lang="en-US" sz="1200" dirty="0" smtClean="0">
                   <a:solidFill>
-                    <a:schemeClr val="bg1">
-                      <a:lumMod val="65000"/>
-                    </a:schemeClr>
+                    <a:srgbClr val="1500FF"/>
                   </a:solidFill>
                   <a:latin typeface="Arial"/>
                   <a:cs typeface="Arial"/>
@@ -4677,11 +4633,7 @@
             </a:prstGeom>
             <a:noFill/>
             <a:ln>
-              <a:solidFill>
-                <a:schemeClr val="bg1">
-                  <a:lumMod val="65000"/>
-                </a:schemeClr>
-              </a:solidFill>
+              <a:noFill/>
             </a:ln>
           </p:spPr>
           <p:txBody>
@@ -4761,9 +4713,7 @@
             </a:prstGeom>
             <a:ln>
               <a:solidFill>
-                <a:schemeClr val="bg1">
-                  <a:lumMod val="65000"/>
-                </a:schemeClr>
+                <a:srgbClr val="1500FF"/>
               </a:solidFill>
               <a:tailEnd type="arrow"/>
             </a:ln>
@@ -4800,11 +4750,7 @@
             </a:prstGeom>
             <a:noFill/>
             <a:ln>
-              <a:solidFill>
-                <a:schemeClr val="bg1">
-                  <a:lumMod val="65000"/>
-                </a:schemeClr>
-              </a:solidFill>
+              <a:noFill/>
             </a:ln>
           </p:spPr>
           <p:txBody>
@@ -4902,9 +4848,7 @@
             </a:prstGeom>
             <a:ln w="19050">
               <a:solidFill>
-                <a:schemeClr val="bg1">
-                  <a:lumMod val="65000"/>
-                </a:schemeClr>
+                <a:srgbClr val="1500FF"/>
               </a:solidFill>
               <a:prstDash val="dash"/>
               <a:headEnd type="arrow"/>
